--- a/livrables/Projet7_GrandPyBot.pptx
+++ b/livrables/Projet7_GrandPyBot.pptx
@@ -218,7 +218,7 @@
           <a:p>
             <a:fld id="{112819D6-9618-45CA-A4D0-F3F0B09DC02D}" type="datetimeFigureOut">
               <a:rPr lang="fr-FR" smtClean="0"/>
-              <a:t>08/03/2018</a:t>
+              <a:t>14/03/2018</a:t>
             </a:fld>
             <a:endParaRPr lang="fr-FR"/>
           </a:p>
@@ -617,7 +617,7 @@
           <a:p>
             <a:fld id="{79C2CD3C-23E9-4BF9-92A5-02D69918904F}" type="datetimeFigureOut">
               <a:rPr lang="fr-FR" smtClean="0"/>
-              <a:t>08/03/2018</a:t>
+              <a:t>14/03/2018</a:t>
             </a:fld>
             <a:endParaRPr lang="fr-FR"/>
           </a:p>
@@ -787,7 +787,7 @@
           <a:p>
             <a:fld id="{79C2CD3C-23E9-4BF9-92A5-02D69918904F}" type="datetimeFigureOut">
               <a:rPr lang="fr-FR" smtClean="0"/>
-              <a:t>08/03/2018</a:t>
+              <a:t>14/03/2018</a:t>
             </a:fld>
             <a:endParaRPr lang="fr-FR"/>
           </a:p>
@@ -967,7 +967,7 @@
           <a:p>
             <a:fld id="{79C2CD3C-23E9-4BF9-92A5-02D69918904F}" type="datetimeFigureOut">
               <a:rPr lang="fr-FR" smtClean="0"/>
-              <a:t>08/03/2018</a:t>
+              <a:t>14/03/2018</a:t>
             </a:fld>
             <a:endParaRPr lang="fr-FR"/>
           </a:p>
@@ -1137,7 +1137,7 @@
           <a:p>
             <a:fld id="{79C2CD3C-23E9-4BF9-92A5-02D69918904F}" type="datetimeFigureOut">
               <a:rPr lang="fr-FR" smtClean="0"/>
-              <a:t>08/03/2018</a:t>
+              <a:t>14/03/2018</a:t>
             </a:fld>
             <a:endParaRPr lang="fr-FR"/>
           </a:p>
@@ -1383,7 +1383,7 @@
           <a:p>
             <a:fld id="{79C2CD3C-23E9-4BF9-92A5-02D69918904F}" type="datetimeFigureOut">
               <a:rPr lang="fr-FR" smtClean="0"/>
-              <a:t>08/03/2018</a:t>
+              <a:t>14/03/2018</a:t>
             </a:fld>
             <a:endParaRPr lang="fr-FR"/>
           </a:p>
@@ -1615,7 +1615,7 @@
           <a:p>
             <a:fld id="{79C2CD3C-23E9-4BF9-92A5-02D69918904F}" type="datetimeFigureOut">
               <a:rPr lang="fr-FR" smtClean="0"/>
-              <a:t>08/03/2018</a:t>
+              <a:t>14/03/2018</a:t>
             </a:fld>
             <a:endParaRPr lang="fr-FR"/>
           </a:p>
@@ -1982,7 +1982,7 @@
           <a:p>
             <a:fld id="{79C2CD3C-23E9-4BF9-92A5-02D69918904F}" type="datetimeFigureOut">
               <a:rPr lang="fr-FR" smtClean="0"/>
-              <a:t>08/03/2018</a:t>
+              <a:t>14/03/2018</a:t>
             </a:fld>
             <a:endParaRPr lang="fr-FR"/>
           </a:p>
@@ -2100,7 +2100,7 @@
           <a:p>
             <a:fld id="{79C2CD3C-23E9-4BF9-92A5-02D69918904F}" type="datetimeFigureOut">
               <a:rPr lang="fr-FR" smtClean="0"/>
-              <a:t>08/03/2018</a:t>
+              <a:t>14/03/2018</a:t>
             </a:fld>
             <a:endParaRPr lang="fr-FR"/>
           </a:p>
@@ -2195,7 +2195,7 @@
           <a:p>
             <a:fld id="{79C2CD3C-23E9-4BF9-92A5-02D69918904F}" type="datetimeFigureOut">
               <a:rPr lang="fr-FR" smtClean="0"/>
-              <a:t>08/03/2018</a:t>
+              <a:t>14/03/2018</a:t>
             </a:fld>
             <a:endParaRPr lang="fr-FR"/>
           </a:p>
@@ -2472,7 +2472,7 @@
           <a:p>
             <a:fld id="{79C2CD3C-23E9-4BF9-92A5-02D69918904F}" type="datetimeFigureOut">
               <a:rPr lang="fr-FR" smtClean="0"/>
-              <a:t>08/03/2018</a:t>
+              <a:t>14/03/2018</a:t>
             </a:fld>
             <a:endParaRPr lang="fr-FR"/>
           </a:p>
@@ -2725,7 +2725,7 @@
           <a:p>
             <a:fld id="{79C2CD3C-23E9-4BF9-92A5-02D69918904F}" type="datetimeFigureOut">
               <a:rPr lang="fr-FR" smtClean="0"/>
-              <a:t>08/03/2018</a:t>
+              <a:t>14/03/2018</a:t>
             </a:fld>
             <a:endParaRPr lang="fr-FR"/>
           </a:p>
@@ -2938,7 +2938,7 @@
           <a:p>
             <a:fld id="{79C2CD3C-23E9-4BF9-92A5-02D69918904F}" type="datetimeFigureOut">
               <a:rPr lang="fr-FR" smtClean="0"/>
-              <a:t>08/03/2018</a:t>
+              <a:t>14/03/2018</a:t>
             </a:fld>
             <a:endParaRPr lang="fr-FR"/>
           </a:p>
@@ -3889,7 +3889,6 @@
               <a:rPr lang="fr-FR" dirty="0" smtClean="0"/>
               <a:t>et en profite pour nous raconter une petite histoire y étant associée !</a:t>
             </a:r>
-            <a:endParaRPr lang="fr-FR" dirty="0" smtClean="0"/>
           </a:p>
         </p:txBody>
       </p:sp>
@@ -4832,11 +4831,7 @@
             </a:pPr>
             <a:r>
               <a:rPr lang="fr-FR" sz="2800" dirty="0" smtClean="0"/>
-              <a:t>Utiliser </a:t>
-            </a:r>
-            <a:r>
-              <a:rPr lang="fr-FR" sz="2800" dirty="0" smtClean="0"/>
-              <a:t>des API</a:t>
+              <a:t>Utiliser des API</a:t>
             </a:r>
             <a:r>
               <a:rPr lang="fr-FR" sz="2800" dirty="0"/>
@@ -4864,11 +4859,7 @@
             </a:pPr>
             <a:r>
               <a:rPr lang="fr-FR" sz="2800" dirty="0" smtClean="0"/>
-              <a:t>Écrire </a:t>
-            </a:r>
-            <a:r>
-              <a:rPr lang="fr-FR" sz="2800" dirty="0" smtClean="0"/>
-              <a:t>un </a:t>
+              <a:t>Écrire un </a:t>
             </a:r>
             <a:r>
               <a:rPr lang="fr-FR" sz="2800" dirty="0" err="1" smtClean="0"/>
@@ -5001,7 +4992,19 @@
             </a:r>
             <a:r>
               <a:rPr lang="fr-FR" sz="2800" dirty="0" smtClean="0"/>
-              <a:t> et </a:t>
+              <a:t>, </a:t>
+            </a:r>
+            <a:r>
+              <a:rPr lang="fr-FR" sz="2800" dirty="0" err="1" smtClean="0"/>
+              <a:t>Axios</a:t>
+            </a:r>
+            <a:r>
+              <a:rPr lang="fr-FR" sz="2800" dirty="0" smtClean="0"/>
+              <a:t> </a:t>
+            </a:r>
+            <a:r>
+              <a:rPr lang="fr-FR" sz="2800" dirty="0" smtClean="0"/>
+              <a:t>et </a:t>
             </a:r>
             <a:r>
               <a:rPr lang="fr-FR" sz="2800" dirty="0" err="1" smtClean="0"/>
@@ -5684,11 +5687,7 @@
             </a:r>
             <a:r>
               <a:rPr lang="fr-FR" b="1" dirty="0" smtClean="0"/>
-              <a:t>Python </a:t>
-            </a:r>
-            <a:r>
-              <a:rPr lang="fr-FR" b="1" dirty="0" smtClean="0"/>
-              <a:t>3 </a:t>
+              <a:t>Python 3 </a:t>
             </a:r>
             <a:r>
               <a:rPr lang="fr-FR" dirty="0" smtClean="0"/>
@@ -8814,13 +8813,7 @@
               <a:rPr lang="fr-FR" b="1" dirty="0" smtClean="0">
                 <a:latin typeface="Akzidenz-Grotesk BQ" pitchFamily="50" charset="0"/>
               </a:rPr>
-              <a:t>Environnement de </a:t>
-            </a:r>
-            <a:r>
-              <a:rPr lang="fr-FR" b="1" dirty="0" smtClean="0">
-                <a:latin typeface="Akzidenz-Grotesk BQ" pitchFamily="50" charset="0"/>
-              </a:rPr>
-              <a:t>développement</a:t>
+              <a:t>Environnement de développement</a:t>
             </a:r>
             <a:endParaRPr lang="fr-FR" b="1" dirty="0">
               <a:latin typeface="Akzidenz-Grotesk BQ" pitchFamily="50" charset="0"/>
@@ -8878,13 +8871,8 @@
             </a:r>
             <a:r>
               <a:rPr lang="fr-FR" sz="2800" dirty="0" smtClean="0"/>
-              <a:t> 3 + </a:t>
-            </a:r>
-            <a:r>
-              <a:rPr lang="fr-FR" sz="2800" dirty="0" smtClean="0"/>
-              <a:t>plugins</a:t>
-            </a:r>
-            <a:endParaRPr lang="fr-FR" sz="2800" dirty="0" smtClean="0"/>
+              <a:t> 3 + plugins</a:t>
+            </a:r>
           </a:p>
         </p:txBody>
       </p:sp>
@@ -10073,13 +10061,8 @@
             </a:r>
             <a:r>
               <a:rPr lang="fr-FR" sz="2800" dirty="0" smtClean="0"/>
-              <a:t>avant de créer le code</a:t>
-            </a:r>
-            <a:r>
-              <a:rPr lang="fr-FR" sz="2800" dirty="0" smtClean="0"/>
-              <a:t>.</a:t>
-            </a:r>
-            <a:endParaRPr lang="fr-FR" sz="2800" dirty="0" smtClean="0"/>
+              <a:t>avant de créer le code.</a:t>
+            </a:r>
           </a:p>
         </p:txBody>
       </p:sp>
@@ -10130,15 +10113,7 @@
                   <a:schemeClr val="accent4"/>
                 </a:solidFill>
               </a:rPr>
-              <a:t>Première difficulté </a:t>
-            </a:r>
-            <a:r>
-              <a:rPr lang="fr-FR" b="1" dirty="0" smtClean="0">
-                <a:solidFill>
-                  <a:schemeClr val="accent4"/>
-                </a:solidFill>
-              </a:rPr>
-              <a:t>rencontrée</a:t>
+              <a:t>Première difficulté rencontrée</a:t>
             </a:r>
             <a:endParaRPr lang="fr-FR" b="1" dirty="0">
               <a:solidFill>
@@ -12001,15 +11976,7 @@
                   <a:schemeClr val="accent4"/>
                 </a:solidFill>
               </a:rPr>
-              <a:t>Difficulté </a:t>
-            </a:r>
-            <a:r>
-              <a:rPr lang="fr-FR" b="1" dirty="0" smtClean="0">
-                <a:solidFill>
-                  <a:schemeClr val="accent4"/>
-                </a:solidFill>
-              </a:rPr>
-              <a:t>rencontrée</a:t>
+              <a:t>Difficulté rencontrée</a:t>
             </a:r>
             <a:endParaRPr lang="fr-FR" b="1" dirty="0">
               <a:solidFill>
@@ -12510,7 +12477,6 @@
               <a:rPr lang="fr-FR" sz="2800" dirty="0" smtClean="0"/>
               <a:t>Se renseigner et discuter avec mon mentor.</a:t>
             </a:r>
-            <a:endParaRPr lang="fr-FR" sz="2800" dirty="0" smtClean="0"/>
           </a:p>
         </p:txBody>
       </p:sp>

--- a/livrables/Projet7_GrandPyBot.pptx
+++ b/livrables/Projet7_GrandPyBot.pptx
@@ -5,7 +5,7 @@
     <p:sldMasterId id="2147483648" r:id="rId1"/>
   </p:sldMasterIdLst>
   <p:notesMasterIdLst>
-    <p:notesMasterId r:id="rId13"/>
+    <p:notesMasterId r:id="rId14"/>
   </p:notesMasterIdLst>
   <p:sldIdLst>
     <p:sldId id="256" r:id="rId2"/>
@@ -19,6 +19,7 @@
     <p:sldId id="275" r:id="rId10"/>
     <p:sldId id="272" r:id="rId11"/>
     <p:sldId id="270" r:id="rId12"/>
+    <p:sldId id="276" r:id="rId13"/>
   </p:sldIdLst>
   <p:sldSz cx="12192000" cy="6858000"/>
   <p:notesSz cx="6858000" cy="9144000"/>
@@ -5000,11 +5001,7 @@
             </a:r>
             <a:r>
               <a:rPr lang="fr-FR" sz="2800" dirty="0" smtClean="0"/>
-              <a:t> </a:t>
-            </a:r>
-            <a:r>
-              <a:rPr lang="fr-FR" sz="2800" dirty="0" smtClean="0"/>
-              <a:t>et </a:t>
+              <a:t> et </a:t>
             </a:r>
             <a:r>
               <a:rPr lang="fr-FR" sz="2800" dirty="0" err="1" smtClean="0"/>
@@ -5175,6 +5172,121 @@
       <p:bldP spid="14" grpId="0"/>
       <p:bldP spid="15" grpId="0"/>
     </p:bldLst>
+  </p:timing>
+</p:sld>
+</file>
+
+<file path=ppt/slides/slide12.xml><?xml version="1.0" encoding="utf-8"?>
+<p:sld xmlns:a="http://schemas.openxmlformats.org/drawingml/2006/main" xmlns:r="http://schemas.openxmlformats.org/officeDocument/2006/relationships" xmlns:p="http://schemas.openxmlformats.org/presentationml/2006/main">
+  <p:cSld>
+    <p:spTree>
+      <p:nvGrpSpPr>
+        <p:cNvPr id="1" name=""/>
+        <p:cNvGrpSpPr/>
+        <p:nvPr/>
+      </p:nvGrpSpPr>
+      <p:grpSpPr>
+        <a:xfrm>
+          <a:off x="0" y="0"/>
+          <a:ext cx="0" cy="0"/>
+          <a:chOff x="0" y="0"/>
+          <a:chExt cx="0" cy="0"/>
+        </a:xfrm>
+      </p:grpSpPr>
+      <p:sp>
+        <p:nvSpPr>
+          <p:cNvPr id="5" name="Rectangle 4"/>
+          <p:cNvSpPr/>
+          <p:nvPr/>
+        </p:nvSpPr>
+        <p:spPr>
+          <a:xfrm>
+            <a:off x="-93133" y="-76200"/>
+            <a:ext cx="12369800" cy="6993467"/>
+          </a:xfrm>
+          <a:prstGeom prst="rect">
+            <a:avLst/>
+          </a:prstGeom>
+        </p:spPr>
+        <p:style>
+          <a:lnRef idx="2">
+            <a:schemeClr val="accent1">
+              <a:shade val="50000"/>
+            </a:schemeClr>
+          </a:lnRef>
+          <a:fillRef idx="1">
+            <a:schemeClr val="accent1"/>
+          </a:fillRef>
+          <a:effectRef idx="0">
+            <a:schemeClr val="accent1"/>
+          </a:effectRef>
+          <a:fontRef idx="minor">
+            <a:schemeClr val="lt1"/>
+          </a:fontRef>
+        </p:style>
+        <p:txBody>
+          <a:bodyPr rtlCol="0" anchor="ctr"/>
+          <a:lstStyle/>
+          <a:p>
+            <a:pPr algn="ctr"/>
+            <a:endParaRPr lang="fr-FR"/>
+          </a:p>
+        </p:txBody>
+      </p:sp>
+      <p:sp>
+        <p:nvSpPr>
+          <p:cNvPr id="4" name="ZoneTexte 3"/>
+          <p:cNvSpPr txBox="1"/>
+          <p:nvPr/>
+        </p:nvSpPr>
+        <p:spPr>
+          <a:xfrm>
+            <a:off x="4328974" y="2312537"/>
+            <a:ext cx="3607078" cy="2215991"/>
+          </a:xfrm>
+          <a:prstGeom prst="rect">
+            <a:avLst/>
+          </a:prstGeom>
+          <a:noFill/>
+        </p:spPr>
+        <p:txBody>
+          <a:bodyPr wrap="none" rtlCol="0">
+            <a:spAutoFit/>
+          </a:bodyPr>
+          <a:lstStyle/>
+          <a:p>
+            <a:r>
+              <a:rPr lang="fr-FR" sz="13800" dirty="0" smtClean="0">
+                <a:solidFill>
+                  <a:schemeClr val="bg1"/>
+                </a:solidFill>
+              </a:rPr>
+              <a:t>Q&amp;A</a:t>
+            </a:r>
+            <a:endParaRPr lang="fr-FR" sz="13800" dirty="0">
+              <a:solidFill>
+                <a:schemeClr val="bg1"/>
+              </a:solidFill>
+            </a:endParaRPr>
+          </a:p>
+        </p:txBody>
+      </p:sp>
+    </p:spTree>
+    <p:extLst>
+      <p:ext uri="{BB962C8B-B14F-4D97-AF65-F5344CB8AC3E}">
+        <p14:creationId xmlns:p14="http://schemas.microsoft.com/office/powerpoint/2010/main" val="507847941"/>
+      </p:ext>
+    </p:extLst>
+  </p:cSld>
+  <p:clrMapOvr>
+    <a:masterClrMapping/>
+  </p:clrMapOvr>
+  <p:timing>
+    <p:tnLst>
+      <p:par>
+        <p:cTn id="1" dur="indefinite" restart="never" nodeType="tmRoot"/>
+      </p:par>
+    </p:tnLst>
   </p:timing>
 </p:sld>
 </file>
